--- a/HTML/course-overview.pptx
+++ b/HTML/course-overview.pptx
@@ -299,7 +299,7 @@
           <a:p>
             <a:fld id="{F59DEC87-6DAD-4118-A33D-56D7FBEE3E14}" type="datetimeFigureOut">
               <a:rPr lang="fr-CA" smtClean="0"/>
-              <a:t>2020-01-15</a:t>
+              <a:t>2020-01-31</a:t>
             </a:fld>
             <a:endParaRPr lang="fr-CA"/>
           </a:p>
@@ -574,7 +574,7 @@
           <a:p>
             <a:fld id="{F59DEC87-6DAD-4118-A33D-56D7FBEE3E14}" type="datetimeFigureOut">
               <a:rPr lang="fr-CA" smtClean="0"/>
-              <a:t>2020-01-15</a:t>
+              <a:t>2020-01-31</a:t>
             </a:fld>
             <a:endParaRPr lang="fr-CA"/>
           </a:p>
@@ -768,7 +768,7 @@
           <a:p>
             <a:fld id="{F59DEC87-6DAD-4118-A33D-56D7FBEE3E14}" type="datetimeFigureOut">
               <a:rPr lang="fr-CA" smtClean="0"/>
-              <a:t>2020-01-15</a:t>
+              <a:t>2020-01-31</a:t>
             </a:fld>
             <a:endParaRPr lang="fr-CA"/>
           </a:p>
@@ -1041,7 +1041,7 @@
           <a:p>
             <a:fld id="{F59DEC87-6DAD-4118-A33D-56D7FBEE3E14}" type="datetimeFigureOut">
               <a:rPr lang="fr-CA" smtClean="0"/>
-              <a:t>2020-01-15</a:t>
+              <a:t>2020-01-31</a:t>
             </a:fld>
             <a:endParaRPr lang="fr-CA"/>
           </a:p>
@@ -1382,7 +1382,7 @@
           <a:p>
             <a:fld id="{F59DEC87-6DAD-4118-A33D-56D7FBEE3E14}" type="datetimeFigureOut">
               <a:rPr lang="fr-CA" smtClean="0"/>
-              <a:t>2020-01-15</a:t>
+              <a:t>2020-01-31</a:t>
             </a:fld>
             <a:endParaRPr lang="fr-CA"/>
           </a:p>
@@ -2005,7 +2005,7 @@
           <a:p>
             <a:fld id="{F59DEC87-6DAD-4118-A33D-56D7FBEE3E14}" type="datetimeFigureOut">
               <a:rPr lang="fr-CA" smtClean="0"/>
-              <a:t>2020-01-15</a:t>
+              <a:t>2020-01-31</a:t>
             </a:fld>
             <a:endParaRPr lang="fr-CA"/>
           </a:p>
@@ -2865,7 +2865,7 @@
           <a:p>
             <a:fld id="{F59DEC87-6DAD-4118-A33D-56D7FBEE3E14}" type="datetimeFigureOut">
               <a:rPr lang="fr-CA" smtClean="0"/>
-              <a:t>2020-01-15</a:t>
+              <a:t>2020-01-31</a:t>
             </a:fld>
             <a:endParaRPr lang="fr-CA"/>
           </a:p>
@@ -3035,7 +3035,7 @@
           <a:p>
             <a:fld id="{F59DEC87-6DAD-4118-A33D-56D7FBEE3E14}" type="datetimeFigureOut">
               <a:rPr lang="fr-CA" smtClean="0"/>
-              <a:t>2020-01-15</a:t>
+              <a:t>2020-01-31</a:t>
             </a:fld>
             <a:endParaRPr lang="fr-CA"/>
           </a:p>
@@ -3215,7 +3215,7 @@
           <a:p>
             <a:fld id="{F59DEC87-6DAD-4118-A33D-56D7FBEE3E14}" type="datetimeFigureOut">
               <a:rPr lang="fr-CA" smtClean="0"/>
-              <a:t>2020-01-15</a:t>
+              <a:t>2020-01-31</a:t>
             </a:fld>
             <a:endParaRPr lang="fr-CA"/>
           </a:p>
@@ -3385,7 +3385,7 @@
           <a:p>
             <a:fld id="{F59DEC87-6DAD-4118-A33D-56D7FBEE3E14}" type="datetimeFigureOut">
               <a:rPr lang="fr-CA" smtClean="0"/>
-              <a:t>2020-01-15</a:t>
+              <a:t>2020-01-31</a:t>
             </a:fld>
             <a:endParaRPr lang="fr-CA"/>
           </a:p>
@@ -3632,7 +3632,7 @@
           <a:p>
             <a:fld id="{F59DEC87-6DAD-4118-A33D-56D7FBEE3E14}" type="datetimeFigureOut">
               <a:rPr lang="fr-CA" smtClean="0"/>
-              <a:t>2020-01-15</a:t>
+              <a:t>2020-01-31</a:t>
             </a:fld>
             <a:endParaRPr lang="fr-CA"/>
           </a:p>
@@ -3924,7 +3924,7 @@
           <a:p>
             <a:fld id="{F59DEC87-6DAD-4118-A33D-56D7FBEE3E14}" type="datetimeFigureOut">
               <a:rPr lang="fr-CA" smtClean="0"/>
-              <a:t>2020-01-15</a:t>
+              <a:t>2020-01-31</a:t>
             </a:fld>
             <a:endParaRPr lang="fr-CA"/>
           </a:p>
@@ -4368,7 +4368,7 @@
           <a:p>
             <a:fld id="{F59DEC87-6DAD-4118-A33D-56D7FBEE3E14}" type="datetimeFigureOut">
               <a:rPr lang="fr-CA" smtClean="0"/>
-              <a:t>2020-01-15</a:t>
+              <a:t>2020-01-31</a:t>
             </a:fld>
             <a:endParaRPr lang="fr-CA"/>
           </a:p>
@@ -4486,7 +4486,7 @@
           <a:p>
             <a:fld id="{F59DEC87-6DAD-4118-A33D-56D7FBEE3E14}" type="datetimeFigureOut">
               <a:rPr lang="fr-CA" smtClean="0"/>
-              <a:t>2020-01-15</a:t>
+              <a:t>2020-01-31</a:t>
             </a:fld>
             <a:endParaRPr lang="fr-CA"/>
           </a:p>
@@ -4581,7 +4581,7 @@
           <a:p>
             <a:fld id="{F59DEC87-6DAD-4118-A33D-56D7FBEE3E14}" type="datetimeFigureOut">
               <a:rPr lang="fr-CA" smtClean="0"/>
-              <a:t>2020-01-15</a:t>
+              <a:t>2020-01-31</a:t>
             </a:fld>
             <a:endParaRPr lang="fr-CA"/>
           </a:p>
@@ -4860,7 +4860,7 @@
           <a:p>
             <a:fld id="{F59DEC87-6DAD-4118-A33D-56D7FBEE3E14}" type="datetimeFigureOut">
               <a:rPr lang="fr-CA" smtClean="0"/>
-              <a:t>2020-01-15</a:t>
+              <a:t>2020-01-31</a:t>
             </a:fld>
             <a:endParaRPr lang="fr-CA"/>
           </a:p>
@@ -5135,7 +5135,7 @@
           <a:p>
             <a:fld id="{F59DEC87-6DAD-4118-A33D-56D7FBEE3E14}" type="datetimeFigureOut">
               <a:rPr lang="fr-CA" smtClean="0"/>
-              <a:t>2020-01-15</a:t>
+              <a:t>2020-01-31</a:t>
             </a:fld>
             <a:endParaRPr lang="fr-CA"/>
           </a:p>
@@ -5564,7 +5564,7 @@
           <a:p>
             <a:fld id="{F59DEC87-6DAD-4118-A33D-56D7FBEE3E14}" type="datetimeFigureOut">
               <a:rPr lang="fr-CA" smtClean="0"/>
-              <a:t>2020-01-15</a:t>
+              <a:t>2020-01-31</a:t>
             </a:fld>
             <a:endParaRPr lang="fr-CA"/>
           </a:p>
@@ -6153,7 +6153,7 @@
         </p:spPr>
         <p:txBody>
           <a:bodyPr>
-            <a:normAutofit lnSpcReduction="10000"/>
+            <a:normAutofit fontScale="92500" lnSpcReduction="20000"/>
           </a:bodyPr>
           <a:lstStyle/>
           <a:p>
@@ -6219,6 +6219,19 @@
                 <a:latin typeface="Calibri" panose="020F0502020204030204" pitchFamily="34" charset="0"/>
               </a:rPr>
               <a:t> GRID (CSS)</a:t>
+            </a:r>
+          </a:p>
+          <a:p>
+            <a:pPr>
+              <a:lnSpc>
+                <a:spcPct val="150000"/>
+              </a:lnSpc>
+            </a:pPr>
+            <a:r>
+              <a:rPr lang="fr-CA" sz="4000" dirty="0">
+                <a:latin typeface="Calibri" panose="020F0502020204030204" pitchFamily="34" charset="0"/>
+              </a:rPr>
+              <a:t>JAVASCRIPT</a:t>
             </a:r>
           </a:p>
           <a:p>
@@ -6316,7 +6329,7 @@
         </p:spPr>
         <p:txBody>
           <a:bodyPr>
-            <a:normAutofit/>
+            <a:normAutofit lnSpcReduction="10000"/>
           </a:bodyPr>
           <a:lstStyle/>
           <a:p>
@@ -6357,6 +6370,14 @@
                 <a:latin typeface="Calibri" panose="020F0502020204030204" pitchFamily="34" charset="0"/>
               </a:rPr>
               <a:t> GRID (CSS)						=== Multiple projects</a:t>
+            </a:r>
+          </a:p>
+          <a:p>
+            <a:r>
+              <a:rPr lang="fr-CA" sz="4000" dirty="0">
+                <a:latin typeface="Calibri" panose="020F0502020204030204" pitchFamily="34" charset="0"/>
+              </a:rPr>
+              <a:t>JAVASCRIPT					=== Multiple projects	</a:t>
             </a:r>
           </a:p>
           <a:p>
